--- a/Apresentação - Sistema Operacional.pptx
+++ b/Apresentação - Sistema Operacional.pptx
@@ -5389,7 +5389,27 @@
                 <a:latin typeface="Times New Roman" panose="02020603050405020304" pitchFamily="18" charset="0"/>
                 <a:cs typeface="Times New Roman" panose="02020603050405020304" pitchFamily="18" charset="0"/>
               </a:rPr>
-              <a:t>AUTOMATIZANDO TAREFAS NO LINUX (CRÉDITO DIGITAL)</a:t>
+              <a:t>AUTOMATIZANDO TAREFAS NO LINUX (</a:t>
+            </a:r>
+            <a:r>
+              <a:rPr lang="pt-BR" sz="2200" b="1" dirty="0">
+                <a:solidFill>
+                  <a:srgbClr val="FF0000"/>
+                </a:solidFill>
+                <a:latin typeface="Times New Roman" panose="02020603050405020304" pitchFamily="18" charset="0"/>
+                <a:cs typeface="Times New Roman" panose="02020603050405020304" pitchFamily="18" charset="0"/>
+              </a:rPr>
+              <a:t>CRÉDITO DIGITAL</a:t>
+            </a:r>
+            <a:r>
+              <a:rPr lang="pt-BR" sz="2200" dirty="0">
+                <a:solidFill>
+                  <a:schemeClr val="tx1"/>
+                </a:solidFill>
+                <a:latin typeface="Times New Roman" panose="02020603050405020304" pitchFamily="18" charset="0"/>
+                <a:cs typeface="Times New Roman" panose="02020603050405020304" pitchFamily="18" charset="0"/>
+              </a:rPr>
+              <a:t>)</a:t>
             </a:r>
           </a:p>
           <a:p>
@@ -5416,7 +5436,7 @@
                 <a:latin typeface="Times New Roman" panose="02020603050405020304" pitchFamily="18" charset="0"/>
                 <a:cs typeface="Times New Roman" panose="02020603050405020304" pitchFamily="18" charset="0"/>
               </a:rPr>
-              <a:t>5.1 FERRAMENTA CRON</a:t>
+              <a:t>5.1 FERRAMENTA CRON – Agendador de Tarefas LINUX</a:t>
             </a:r>
           </a:p>
           <a:p>
@@ -5470,7 +5490,7 @@
                 <a:latin typeface="Times New Roman" panose="02020603050405020304" pitchFamily="18" charset="0"/>
                 <a:cs typeface="Times New Roman" panose="02020603050405020304" pitchFamily="18" charset="0"/>
               </a:rPr>
-              <a:t>5.3 VARIÁVEIS DE AMBIENTE E ESTRUTURA DE DECISÃO EM SCRIPTS</a:t>
+              <a:t>5.3 VARS DE AMBIENTE E ESTRUTURA DE DECISÃO EM SCRIPTS</a:t>
             </a:r>
           </a:p>
           <a:p>
@@ -5900,29 +5920,40 @@
             </a:pPr>
             <a:r>
               <a:rPr lang="pt-BR" sz="2400" dirty="0"/>
-              <a:t>AV1 (Gerada pelo Docente)</a:t>
-            </a:r>
-          </a:p>
-          <a:p>
-            <a:pPr marL="342900" indent="-342900" eaLnBrk="0" hangingPunct="0">
+              <a:t>AVA1 (1 Ponto Extra)</a:t>
+            </a:r>
+          </a:p>
+          <a:p>
+            <a:pPr eaLnBrk="0" hangingPunct="0">
               <a:buFont typeface="Wingdings" panose="05000000000000000000" pitchFamily="2" charset="2"/>
               <a:buChar char="§"/>
               <a:defRPr/>
             </a:pPr>
             <a:r>
               <a:rPr lang="pt-BR" sz="2400" dirty="0"/>
-              <a:t>AV2 (Gerado pelo BDQ)</a:t>
-            </a:r>
-          </a:p>
-          <a:p>
-            <a:pPr marL="342900" indent="-342900" eaLnBrk="0" hangingPunct="0">
+              <a:t>AVA2 (1 Ponto Extra)</a:t>
+            </a:r>
+          </a:p>
+          <a:p>
+            <a:pPr eaLnBrk="0" hangingPunct="0">
               <a:buFont typeface="Wingdings" panose="05000000000000000000" pitchFamily="2" charset="2"/>
               <a:buChar char="§"/>
               <a:defRPr/>
             </a:pPr>
             <a:r>
               <a:rPr lang="pt-BR" sz="2400" dirty="0"/>
-              <a:t>AV3 (Gerado pelo BDQ - Condicional)</a:t>
+              <a:t>AV Institucional</a:t>
+            </a:r>
+          </a:p>
+          <a:p>
+            <a:pPr eaLnBrk="0" hangingPunct="0">
+              <a:buFont typeface="Wingdings" panose="05000000000000000000" pitchFamily="2" charset="2"/>
+              <a:buChar char="§"/>
+              <a:defRPr/>
+            </a:pPr>
+            <a:r>
+              <a:rPr lang="pt-BR" sz="2400" dirty="0"/>
+              <a:t>AVS Final Institucional</a:t>
             </a:r>
           </a:p>
           <a:p>
@@ -9252,7 +9283,17 @@
                 <a:latin typeface="Times New Roman" panose="02020603050405020304" pitchFamily="18" charset="0"/>
                 <a:cs typeface="Times New Roman" panose="02020603050405020304" pitchFamily="18" charset="0"/>
               </a:rPr>
-              <a:t>Doutorando Aluno Especial Ciência da Computação - UFBA 2018.2</a:t>
+              <a:t>Doutorando Aluno Especial Ciência da Computação - </a:t>
+            </a:r>
+            <a:r>
+              <a:rPr lang="pt-BR" altLang="pt-BR" sz="2400" b="1" dirty="0">
+                <a:solidFill>
+                  <a:srgbClr val="0070C0"/>
+                </a:solidFill>
+                <a:latin typeface="Times New Roman" panose="02020603050405020304" pitchFamily="18" charset="0"/>
+                <a:cs typeface="Times New Roman" panose="02020603050405020304" pitchFamily="18" charset="0"/>
+              </a:rPr>
+              <a:t>UFBA 2018.2</a:t>
             </a:r>
           </a:p>
           <a:p>
@@ -9317,17 +9358,12 @@
             <a:r>
               <a:rPr lang="pt-BR" altLang="pt-BR" sz="2400" b="1" dirty="0">
                 <a:solidFill>
-                  <a:schemeClr val="accent3">
-                    <a:lumMod val="50000"/>
-                  </a:schemeClr>
-                </a:solidFill>
-                <a:highlight>
-                  <a:srgbClr val="FFFF00"/>
-                </a:highlight>
-                <a:latin typeface="Times New Roman" panose="02020603050405020304" pitchFamily="18" charset="0"/>
-                <a:cs typeface="Times New Roman" panose="02020603050405020304" pitchFamily="18" charset="0"/>
-              </a:rPr>
-              <a:t>Engenheiro Eletricista 7º Semestre - Área1 (Cursando)</a:t>
+                  <a:srgbClr val="7030A0"/>
+                </a:solidFill>
+                <a:latin typeface="Times New Roman" panose="02020603050405020304" pitchFamily="18" charset="0"/>
+                <a:cs typeface="Times New Roman" panose="02020603050405020304" pitchFamily="18" charset="0"/>
+              </a:rPr>
+              <a:t>Engenheiro Eletricista - UNIRUY</a:t>
             </a:r>
           </a:p>
           <a:p>
